--- a/Statistical_modelling/Introduction/notes/Probability cheatsheet.pptx
+++ b/Statistical_modelling/Introduction/notes/Probability cheatsheet.pptx
@@ -243,7 +243,7 @@
           <a:p>
             <a:fld id="{03CE8FB2-2B90-3840-B37D-15F658754FD9}" type="datetimeFigureOut">
               <a:rPr lang="en-US" smtClean="0"/>
-              <a:t>11/6/21</a:t>
+              <a:t>11/7/21</a:t>
             </a:fld>
             <a:endParaRPr lang="en-US"/>
           </a:p>
@@ -413,7 +413,7 @@
           <a:p>
             <a:fld id="{03CE8FB2-2B90-3840-B37D-15F658754FD9}" type="datetimeFigureOut">
               <a:rPr lang="en-US" smtClean="0"/>
-              <a:t>11/6/21</a:t>
+              <a:t>11/7/21</a:t>
             </a:fld>
             <a:endParaRPr lang="en-US"/>
           </a:p>
@@ -593,7 +593,7 @@
           <a:p>
             <a:fld id="{03CE8FB2-2B90-3840-B37D-15F658754FD9}" type="datetimeFigureOut">
               <a:rPr lang="en-US" smtClean="0"/>
-              <a:t>11/6/21</a:t>
+              <a:t>11/7/21</a:t>
             </a:fld>
             <a:endParaRPr lang="en-US"/>
           </a:p>
@@ -763,7 +763,7 @@
           <a:p>
             <a:fld id="{03CE8FB2-2B90-3840-B37D-15F658754FD9}" type="datetimeFigureOut">
               <a:rPr lang="en-US" smtClean="0"/>
-              <a:t>11/6/21</a:t>
+              <a:t>11/7/21</a:t>
             </a:fld>
             <a:endParaRPr lang="en-US"/>
           </a:p>
@@ -1007,7 +1007,7 @@
           <a:p>
             <a:fld id="{03CE8FB2-2B90-3840-B37D-15F658754FD9}" type="datetimeFigureOut">
               <a:rPr lang="en-US" smtClean="0"/>
-              <a:t>11/6/21</a:t>
+              <a:t>11/7/21</a:t>
             </a:fld>
             <a:endParaRPr lang="en-US"/>
           </a:p>
@@ -1239,7 +1239,7 @@
           <a:p>
             <a:fld id="{03CE8FB2-2B90-3840-B37D-15F658754FD9}" type="datetimeFigureOut">
               <a:rPr lang="en-US" smtClean="0"/>
-              <a:t>11/6/21</a:t>
+              <a:t>11/7/21</a:t>
             </a:fld>
             <a:endParaRPr lang="en-US"/>
           </a:p>
@@ -1606,7 +1606,7 @@
           <a:p>
             <a:fld id="{03CE8FB2-2B90-3840-B37D-15F658754FD9}" type="datetimeFigureOut">
               <a:rPr lang="en-US" smtClean="0"/>
-              <a:t>11/6/21</a:t>
+              <a:t>11/7/21</a:t>
             </a:fld>
             <a:endParaRPr lang="en-US"/>
           </a:p>
@@ -1724,7 +1724,7 @@
           <a:p>
             <a:fld id="{03CE8FB2-2B90-3840-B37D-15F658754FD9}" type="datetimeFigureOut">
               <a:rPr lang="en-US" smtClean="0"/>
-              <a:t>11/6/21</a:t>
+              <a:t>11/7/21</a:t>
             </a:fld>
             <a:endParaRPr lang="en-US"/>
           </a:p>
@@ -1819,7 +1819,7 @@
           <a:p>
             <a:fld id="{03CE8FB2-2B90-3840-B37D-15F658754FD9}" type="datetimeFigureOut">
               <a:rPr lang="en-US" smtClean="0"/>
-              <a:t>11/6/21</a:t>
+              <a:t>11/7/21</a:t>
             </a:fld>
             <a:endParaRPr lang="en-US"/>
           </a:p>
@@ -2096,7 +2096,7 @@
           <a:p>
             <a:fld id="{03CE8FB2-2B90-3840-B37D-15F658754FD9}" type="datetimeFigureOut">
               <a:rPr lang="en-US" smtClean="0"/>
-              <a:t>11/6/21</a:t>
+              <a:t>11/7/21</a:t>
             </a:fld>
             <a:endParaRPr lang="en-US"/>
           </a:p>
@@ -2353,7 +2353,7 @@
           <a:p>
             <a:fld id="{03CE8FB2-2B90-3840-B37D-15F658754FD9}" type="datetimeFigureOut">
               <a:rPr lang="en-US" smtClean="0"/>
-              <a:t>11/6/21</a:t>
+              <a:t>11/7/21</a:t>
             </a:fld>
             <a:endParaRPr lang="en-US"/>
           </a:p>
@@ -2566,7 +2566,7 @@
           <a:p>
             <a:fld id="{03CE8FB2-2B90-3840-B37D-15F658754FD9}" type="datetimeFigureOut">
               <a:rPr lang="en-US" smtClean="0"/>
-              <a:t>11/6/21</a:t>
+              <a:t>11/7/21</a:t>
             </a:fld>
             <a:endParaRPr lang="en-US"/>
           </a:p>
@@ -4321,7 +4321,7 @@
         </p:nvGrpSpPr>
         <p:grpSpPr>
           <a:xfrm>
-            <a:off x="1408574" y="9171515"/>
+            <a:off x="1585036" y="9171515"/>
             <a:ext cx="2394697" cy="498814"/>
             <a:chOff x="1095054" y="5814856"/>
             <a:chExt cx="2394697" cy="498814"/>
@@ -5023,7 +5023,7 @@
         </p:nvSpPr>
         <p:spPr>
           <a:xfrm>
-            <a:off x="3708285" y="9179484"/>
+            <a:off x="3884747" y="9179484"/>
             <a:ext cx="2786107" cy="476321"/>
           </a:xfrm>
           <a:prstGeom prst="rect">
@@ -5054,8 +5054,8 @@
           </a:p>
         </p:txBody>
       </p:sp>
-      <mc:AlternateContent xmlns:mc="http://schemas.openxmlformats.org/markup-compatibility/2006">
-        <mc:Choice xmlns:a14="http://schemas.microsoft.com/office/drawing/2010/main" Requires="a14">
+      <mc:AlternateContent xmlns:mc="http://schemas.openxmlformats.org/markup-compatibility/2006" xmlns:a14="http://schemas.microsoft.com/office/drawing/2010/main">
+        <mc:Choice Requires="a14">
           <p:sp>
             <p:nvSpPr>
               <p:cNvPr id="95" name="TextBox 94">
@@ -5189,7 +5189,7 @@
             </p:txBody>
           </p:sp>
         </mc:Choice>
-        <mc:Fallback>
+        <mc:Fallback xmlns="">
           <p:sp>
             <p:nvSpPr>
               <p:cNvPr id="95" name="TextBox 94">
@@ -5250,7 +5250,7 @@
             </p:nvSpPr>
             <p:spPr>
               <a:xfrm>
-                <a:off x="1702702" y="8069430"/>
+                <a:off x="1879164" y="8069430"/>
                 <a:ext cx="1624122" cy="461370"/>
               </a:xfrm>
               <a:prstGeom prst="rect">
@@ -5406,7 +5406,7 @@
             </p:nvSpPr>
             <p:spPr>
               <a:xfrm>
-                <a:off x="1702702" y="8069430"/>
+                <a:off x="1879164" y="8069430"/>
                 <a:ext cx="1624122" cy="461370"/>
               </a:xfrm>
               <a:prstGeom prst="rect">
@@ -5415,7 +5415,7 @@
               <a:blipFill>
                 <a:blip r:embed="rId11"/>
                 <a:stretch>
-                  <a:fillRect t="-140541" r="-769" b="-197297"/>
+                  <a:fillRect t="-140541" r="-1550" b="-197297"/>
                 </a:stretch>
               </a:blipFill>
             </p:spPr>
@@ -5448,7 +5448,7 @@
         </p:nvSpPr>
         <p:spPr>
           <a:xfrm>
-            <a:off x="3708285" y="8034363"/>
+            <a:off x="3884747" y="8034363"/>
             <a:ext cx="3047867" cy="646331"/>
           </a:xfrm>
           <a:prstGeom prst="rect">
@@ -5497,10 +5497,10 @@
         </p:nvGrpSpPr>
         <p:grpSpPr>
           <a:xfrm>
-            <a:off x="926414" y="8687014"/>
-            <a:ext cx="4246264" cy="307624"/>
+            <a:off x="1856860" y="8687014"/>
+            <a:ext cx="4085844" cy="307624"/>
             <a:chOff x="948899" y="8745481"/>
-            <a:chExt cx="4246264" cy="307624"/>
+            <a:chExt cx="4085844" cy="307624"/>
           </a:xfrm>
         </p:grpSpPr>
         <p:sp>
@@ -5535,13 +5535,13 @@
                 <a:rPr lang="en-US" sz="1000" dirty="0">
                   <a:latin typeface="FoundrySterling-Book" pitchFamily="2" charset="0"/>
                 </a:rPr>
-                <a:t>Often seen as:</a:t>
+                <a:t>Often seen as</a:t>
               </a:r>
             </a:p>
           </p:txBody>
         </p:sp>
-        <mc:AlternateContent xmlns:mc="http://schemas.openxmlformats.org/markup-compatibility/2006" xmlns:a14="http://schemas.microsoft.com/office/drawing/2010/main">
-          <mc:Choice Requires="a14">
+        <mc:AlternateContent xmlns:mc="http://schemas.openxmlformats.org/markup-compatibility/2006">
+          <mc:Choice xmlns:a14="http://schemas.microsoft.com/office/drawing/2010/main" Requires="a14">
             <p:sp>
               <p:nvSpPr>
                 <p:cNvPr id="102" name="TextBox 101">
@@ -5556,7 +5556,7 @@
               </p:nvSpPr>
               <p:spPr>
                 <a:xfrm>
-                  <a:off x="1916448" y="8745481"/>
+                  <a:off x="1756028" y="8745481"/>
                   <a:ext cx="1510665" cy="307624"/>
                 </a:xfrm>
                 <a:prstGeom prst="rect">
@@ -5732,7 +5732,7 @@
               </p:txBody>
             </p:sp>
           </mc:Choice>
-          <mc:Fallback xmlns="">
+          <mc:Fallback>
             <p:sp>
               <p:nvSpPr>
                 <p:cNvPr id="102" name="TextBox 101">
@@ -5749,7 +5749,7 @@
               </p:nvSpPr>
               <p:spPr>
                 <a:xfrm>
-                  <a:off x="1916448" y="8745481"/>
+                  <a:off x="1756028" y="8745481"/>
                   <a:ext cx="1510665" cy="307624"/>
                 </a:xfrm>
                 <a:prstGeom prst="rect">
@@ -5758,7 +5758,7 @@
                 <a:blipFill>
                   <a:blip r:embed="rId12"/>
                   <a:stretch>
-                    <a:fillRect t="-140000" b="-188000"/>
+                    <a:fillRect t="-145833" r="-833" b="-200000"/>
                   </a:stretch>
                 </a:blipFill>
               </p:spPr>
@@ -5791,7 +5791,7 @@
           </p:nvSpPr>
           <p:spPr>
             <a:xfrm>
-              <a:off x="3366695" y="8751808"/>
+              <a:off x="3206275" y="8751808"/>
               <a:ext cx="1828468" cy="254038"/>
             </a:xfrm>
             <a:prstGeom prst="rect">
@@ -5884,8 +5884,8 @@
             <a:chExt cx="3634949" cy="519136"/>
           </a:xfrm>
         </p:grpSpPr>
-        <mc:AlternateContent xmlns:mc="http://schemas.openxmlformats.org/markup-compatibility/2006">
-          <mc:Choice xmlns:a14="http://schemas.microsoft.com/office/drawing/2010/main" Requires="a14">
+        <mc:AlternateContent xmlns:mc="http://schemas.openxmlformats.org/markup-compatibility/2006" xmlns:a14="http://schemas.microsoft.com/office/drawing/2010/main">
+          <mc:Choice Requires="a14">
             <p:sp>
               <p:nvSpPr>
                 <p:cNvPr id="69" name="TextBox 68">
@@ -5955,7 +5955,7 @@
               </p:txBody>
             </p:sp>
           </mc:Choice>
-          <mc:Fallback>
+          <mc:Fallback xmlns="">
             <p:sp>
               <p:nvSpPr>
                 <p:cNvPr id="69" name="TextBox 68">
@@ -6039,8 +6039,8 @@
             </a:p>
           </p:txBody>
         </p:sp>
-        <mc:AlternateContent xmlns:mc="http://schemas.openxmlformats.org/markup-compatibility/2006">
-          <mc:Choice xmlns:a14="http://schemas.microsoft.com/office/drawing/2010/main" Requires="a14">
+        <mc:AlternateContent xmlns:mc="http://schemas.openxmlformats.org/markup-compatibility/2006" xmlns:a14="http://schemas.microsoft.com/office/drawing/2010/main">
+          <mc:Choice Requires="a14">
             <p:sp>
               <p:nvSpPr>
                 <p:cNvPr id="71" name="TextBox 70">
@@ -6122,7 +6122,7 @@
               </p:txBody>
             </p:sp>
           </mc:Choice>
-          <mc:Fallback>
+          <mc:Fallback xmlns="">
             <p:sp>
               <p:nvSpPr>
                 <p:cNvPr id="71" name="TextBox 70">
@@ -6516,8 +6516,8 @@
           </a:p>
         </p:txBody>
       </p:sp>
-      <mc:AlternateContent xmlns:mc="http://schemas.openxmlformats.org/markup-compatibility/2006">
-        <mc:Choice xmlns:a14="http://schemas.microsoft.com/office/drawing/2010/main" Requires="a14">
+      <mc:AlternateContent xmlns:mc="http://schemas.openxmlformats.org/markup-compatibility/2006" xmlns:a14="http://schemas.microsoft.com/office/drawing/2010/main">
+        <mc:Choice Requires="a14">
           <p:sp>
             <p:nvSpPr>
               <p:cNvPr id="112" name="TextBox 111">
@@ -6606,7 +6606,7 @@
             </p:txBody>
           </p:sp>
         </mc:Choice>
-        <mc:Fallback>
+        <mc:Fallback xmlns="">
           <p:sp>
             <p:nvSpPr>
               <p:cNvPr id="112" name="TextBox 111">
@@ -6688,8 +6688,8 @@
           </a:p>
         </p:txBody>
       </p:sp>
-      <mc:AlternateContent xmlns:mc="http://schemas.openxmlformats.org/markup-compatibility/2006">
-        <mc:Choice xmlns:a14="http://schemas.microsoft.com/office/drawing/2010/main" Requires="a14">
+      <mc:AlternateContent xmlns:mc="http://schemas.openxmlformats.org/markup-compatibility/2006" xmlns:a14="http://schemas.microsoft.com/office/drawing/2010/main">
+        <mc:Choice Requires="a14">
           <p:sp>
             <p:nvSpPr>
               <p:cNvPr id="114" name="TextBox 113">
@@ -6772,7 +6772,7 @@
             </p:txBody>
           </p:sp>
         </mc:Choice>
-        <mc:Fallback>
+        <mc:Fallback xmlns="">
           <p:sp>
             <p:nvSpPr>
               <p:cNvPr id="114" name="TextBox 113">
@@ -6817,8 +6817,8 @@
           </p:sp>
         </mc:Fallback>
       </mc:AlternateContent>
-      <mc:AlternateContent xmlns:mc="http://schemas.openxmlformats.org/markup-compatibility/2006">
-        <mc:Choice xmlns:a14="http://schemas.microsoft.com/office/drawing/2010/main" Requires="a14">
+      <mc:AlternateContent xmlns:mc="http://schemas.openxmlformats.org/markup-compatibility/2006" xmlns:a14="http://schemas.microsoft.com/office/drawing/2010/main">
+        <mc:Choice Requires="a14">
           <p:sp>
             <p:nvSpPr>
               <p:cNvPr id="115" name="TextBox 114">
@@ -6901,7 +6901,7 @@
             </p:txBody>
           </p:sp>
         </mc:Choice>
-        <mc:Fallback>
+        <mc:Fallback xmlns="">
           <p:sp>
             <p:nvSpPr>
               <p:cNvPr id="115" name="TextBox 114">
@@ -7050,7 +7050,7 @@
         <p:spPr>
           <a:xfrm>
             <a:off x="351723" y="8124028"/>
-            <a:ext cx="1728913" cy="461665"/>
+            <a:ext cx="1728913" cy="615553"/>
           </a:xfrm>
           <a:prstGeom prst="rect">
             <a:avLst/>
@@ -7081,7 +7081,15 @@
               <a:rPr lang="en-US" sz="1000" dirty="0">
                 <a:latin typeface="FoundrySterling-Book" pitchFamily="2" charset="0"/>
               </a:rPr>
-              <a:t>(“Law of total probability”)</a:t>
+              <a:t>(“Law of</a:t>
+            </a:r>
+          </a:p>
+          <a:p>
+            <a:r>
+              <a:rPr lang="en-US" sz="1000" dirty="0">
+                <a:latin typeface="FoundrySterling-Book" pitchFamily="2" charset="0"/>
+              </a:rPr>
+              <a:t>total probability”)</a:t>
             </a:r>
           </a:p>
         </p:txBody>
@@ -7792,44 +7800,6 @@
           </p:txBody>
         </p:sp>
       </p:grpSp>
-      <p:cxnSp>
-        <p:nvCxnSpPr>
-          <p:cNvPr id="7" name="Straight Connector 6">
-            <a:extLst>
-              <a:ext uri="{FF2B5EF4-FFF2-40B4-BE49-F238E27FC236}">
-                <a16:creationId xmlns:a16="http://schemas.microsoft.com/office/drawing/2014/main" id="{7C132496-7C84-F945-8281-A01A43501EF1}"/>
-              </a:ext>
-            </a:extLst>
-          </p:cNvPr>
-          <p:cNvCxnSpPr>
-            <a:cxnSpLocks/>
-          </p:cNvCxnSpPr>
-          <p:nvPr/>
-        </p:nvCxnSpPr>
-        <p:spPr>
-          <a:xfrm>
-            <a:off x="7104439" y="1751452"/>
-            <a:ext cx="25411" cy="6544773"/>
-          </a:xfrm>
-          <a:prstGeom prst="line">
-            <a:avLst/>
-          </a:prstGeom>
-        </p:spPr>
-        <p:style>
-          <a:lnRef idx="1">
-            <a:schemeClr val="accent1"/>
-          </a:lnRef>
-          <a:fillRef idx="0">
-            <a:schemeClr val="accent1"/>
-          </a:fillRef>
-          <a:effectRef idx="0">
-            <a:schemeClr val="accent1"/>
-          </a:effectRef>
-          <a:fontRef idx="minor">
-            <a:schemeClr val="tx1"/>
-          </a:fontRef>
-        </p:style>
-      </p:cxnSp>
       <p:sp>
         <p:nvSpPr>
           <p:cNvPr id="121" name="TextBox 120">
@@ -7870,8 +7840,8 @@
           </a:p>
         </p:txBody>
       </p:sp>
-      <mc:AlternateContent xmlns:mc="http://schemas.openxmlformats.org/markup-compatibility/2006">
-        <mc:Choice xmlns:a14="http://schemas.microsoft.com/office/drawing/2010/main" Requires="a14">
+      <mc:AlternateContent xmlns:mc="http://schemas.openxmlformats.org/markup-compatibility/2006" xmlns:a14="http://schemas.microsoft.com/office/drawing/2010/main">
+        <mc:Choice Requires="a14">
           <p:sp>
             <p:nvSpPr>
               <p:cNvPr id="123" name="TextBox 122">
@@ -7948,7 +7918,7 @@
             </p:txBody>
           </p:sp>
         </mc:Choice>
-        <mc:Fallback>
+        <mc:Fallback xmlns="">
           <p:sp>
             <p:nvSpPr>
               <p:cNvPr id="123" name="TextBox 122">
@@ -7993,8 +7963,8 @@
           </p:sp>
         </mc:Fallback>
       </mc:AlternateContent>
-      <mc:AlternateContent xmlns:mc="http://schemas.openxmlformats.org/markup-compatibility/2006">
-        <mc:Choice xmlns:a14="http://schemas.microsoft.com/office/drawing/2010/main" Requires="a14">
+      <mc:AlternateContent xmlns:mc="http://schemas.openxmlformats.org/markup-compatibility/2006" xmlns:a14="http://schemas.microsoft.com/office/drawing/2010/main">
+        <mc:Choice Requires="a14">
           <p:sp>
             <p:nvSpPr>
               <p:cNvPr id="124" name="TextBox 123">
@@ -8083,7 +8053,7 @@
             </p:txBody>
           </p:sp>
         </mc:Choice>
-        <mc:Fallback>
+        <mc:Fallback xmlns="">
           <p:sp>
             <p:nvSpPr>
               <p:cNvPr id="124" name="TextBox 123">
@@ -8128,8 +8098,8 @@
           </p:sp>
         </mc:Fallback>
       </mc:AlternateContent>
-      <mc:AlternateContent xmlns:mc="http://schemas.openxmlformats.org/markup-compatibility/2006">
-        <mc:Choice xmlns:a14="http://schemas.microsoft.com/office/drawing/2010/main" Requires="a14">
+      <mc:AlternateContent xmlns:mc="http://schemas.openxmlformats.org/markup-compatibility/2006" xmlns:a14="http://schemas.microsoft.com/office/drawing/2010/main">
+        <mc:Choice Requires="a14">
           <p:sp>
             <p:nvSpPr>
               <p:cNvPr id="125" name="TextBox 124">
@@ -8214,7 +8184,7 @@
             </p:txBody>
           </p:sp>
         </mc:Choice>
-        <mc:Fallback>
+        <mc:Fallback xmlns="">
           <p:sp>
             <p:nvSpPr>
               <p:cNvPr id="125" name="TextBox 124">
@@ -8259,8 +8229,8 @@
           </p:sp>
         </mc:Fallback>
       </mc:AlternateContent>
-      <mc:AlternateContent xmlns:mc="http://schemas.openxmlformats.org/markup-compatibility/2006">
-        <mc:Choice xmlns:a14="http://schemas.microsoft.com/office/drawing/2010/main" Requires="a14">
+      <mc:AlternateContent xmlns:mc="http://schemas.openxmlformats.org/markup-compatibility/2006" xmlns:a14="http://schemas.microsoft.com/office/drawing/2010/main">
+        <mc:Choice Requires="a14">
           <p:sp>
             <p:nvSpPr>
               <p:cNvPr id="126" name="TextBox 125">
@@ -8361,7 +8331,7 @@
             </p:txBody>
           </p:sp>
         </mc:Choice>
-        <mc:Fallback>
+        <mc:Fallback xmlns="">
           <p:sp>
             <p:nvSpPr>
               <p:cNvPr id="126" name="TextBox 125">
@@ -8406,8 +8376,8 @@
           </p:sp>
         </mc:Fallback>
       </mc:AlternateContent>
-      <mc:AlternateContent xmlns:mc="http://schemas.openxmlformats.org/markup-compatibility/2006">
-        <mc:Choice xmlns:a14="http://schemas.microsoft.com/office/drawing/2010/main" Requires="a14">
+      <mc:AlternateContent xmlns:mc="http://schemas.openxmlformats.org/markup-compatibility/2006" xmlns:a14="http://schemas.microsoft.com/office/drawing/2010/main">
+        <mc:Choice Requires="a14">
           <p:sp>
             <p:nvSpPr>
               <p:cNvPr id="129" name="TextBox 128">
@@ -8538,7 +8508,7 @@
             </p:txBody>
           </p:sp>
         </mc:Choice>
-        <mc:Fallback>
+        <mc:Fallback xmlns="">
           <p:sp>
             <p:nvSpPr>
               <p:cNvPr id="129" name="TextBox 128">
@@ -8620,8 +8590,8 @@
           </a:p>
         </p:txBody>
       </p:sp>
-      <mc:AlternateContent xmlns:mc="http://schemas.openxmlformats.org/markup-compatibility/2006">
-        <mc:Choice xmlns:a14="http://schemas.microsoft.com/office/drawing/2010/main" Requires="a14">
+      <mc:AlternateContent xmlns:mc="http://schemas.openxmlformats.org/markup-compatibility/2006" xmlns:a14="http://schemas.microsoft.com/office/drawing/2010/main">
+        <mc:Choice Requires="a14">
           <p:sp>
             <p:nvSpPr>
               <p:cNvPr id="131" name="TextBox 130">
@@ -8707,7 +8677,7 @@
             </p:txBody>
           </p:sp>
         </mc:Choice>
-        <mc:Fallback>
+        <mc:Fallback xmlns="">
           <p:sp>
             <p:nvSpPr>
               <p:cNvPr id="131" name="TextBox 130">
@@ -8752,8 +8722,8 @@
           </p:sp>
         </mc:Fallback>
       </mc:AlternateContent>
-      <mc:AlternateContent xmlns:mc="http://schemas.openxmlformats.org/markup-compatibility/2006">
-        <mc:Choice xmlns:a14="http://schemas.microsoft.com/office/drawing/2010/main" Requires="a14">
+      <mc:AlternateContent xmlns:mc="http://schemas.openxmlformats.org/markup-compatibility/2006" xmlns:a14="http://schemas.microsoft.com/office/drawing/2010/main">
+        <mc:Choice Requires="a14">
           <p:sp>
             <p:nvSpPr>
               <p:cNvPr id="132" name="TextBox 131">
@@ -8842,7 +8812,7 @@
             </p:txBody>
           </p:sp>
         </mc:Choice>
-        <mc:Fallback>
+        <mc:Fallback xmlns="">
           <p:sp>
             <p:nvSpPr>
               <p:cNvPr id="132" name="TextBox 131">
@@ -8887,8 +8857,8 @@
           </p:sp>
         </mc:Fallback>
       </mc:AlternateContent>
-      <mc:AlternateContent xmlns:mc="http://schemas.openxmlformats.org/markup-compatibility/2006">
-        <mc:Choice xmlns:a14="http://schemas.microsoft.com/office/drawing/2010/main" Requires="a14">
+      <mc:AlternateContent xmlns:mc="http://schemas.openxmlformats.org/markup-compatibility/2006" xmlns:a14="http://schemas.microsoft.com/office/drawing/2010/main">
+        <mc:Choice Requires="a14">
           <p:sp>
             <p:nvSpPr>
               <p:cNvPr id="133" name="TextBox 132">
@@ -8959,7 +8929,7 @@
             </p:txBody>
           </p:sp>
         </mc:Choice>
-        <mc:Fallback>
+        <mc:Fallback xmlns="">
           <p:sp>
             <p:nvSpPr>
               <p:cNvPr id="133" name="TextBox 132">
@@ -9004,8 +8974,8 @@
           </p:sp>
         </mc:Fallback>
       </mc:AlternateContent>
-      <mc:AlternateContent xmlns:mc="http://schemas.openxmlformats.org/markup-compatibility/2006">
-        <mc:Choice xmlns:a14="http://schemas.microsoft.com/office/drawing/2010/main" Requires="a14">
+      <mc:AlternateContent xmlns:mc="http://schemas.openxmlformats.org/markup-compatibility/2006" xmlns:a14="http://schemas.microsoft.com/office/drawing/2010/main">
+        <mc:Choice Requires="a14">
           <p:sp>
             <p:nvSpPr>
               <p:cNvPr id="134" name="TextBox 133">
@@ -9092,7 +9062,7 @@
             </p:txBody>
           </p:sp>
         </mc:Choice>
-        <mc:Fallback>
+        <mc:Fallback xmlns="">
           <p:sp>
             <p:nvSpPr>
               <p:cNvPr id="134" name="TextBox 133">
@@ -9176,8 +9146,8 @@
           </a:p>
         </p:txBody>
       </p:sp>
-      <mc:AlternateContent xmlns:mc="http://schemas.openxmlformats.org/markup-compatibility/2006">
-        <mc:Choice xmlns:a14="http://schemas.microsoft.com/office/drawing/2010/main" Requires="a14">
+      <mc:AlternateContent xmlns:mc="http://schemas.openxmlformats.org/markup-compatibility/2006" xmlns:a14="http://schemas.microsoft.com/office/drawing/2010/main">
+        <mc:Choice Requires="a14">
           <p:sp>
             <p:nvSpPr>
               <p:cNvPr id="96" name="TextBox 95">
@@ -9272,7 +9242,7 @@
             </p:txBody>
           </p:sp>
         </mc:Choice>
-        <mc:Fallback>
+        <mc:Fallback xmlns="">
           <p:sp>
             <p:nvSpPr>
               <p:cNvPr id="96" name="TextBox 95">
@@ -9317,8 +9287,8 @@
           </p:sp>
         </mc:Fallback>
       </mc:AlternateContent>
-      <mc:AlternateContent xmlns:mc="http://schemas.openxmlformats.org/markup-compatibility/2006">
-        <mc:Choice xmlns:a14="http://schemas.microsoft.com/office/drawing/2010/main" Requires="a14">
+      <mc:AlternateContent xmlns:mc="http://schemas.openxmlformats.org/markup-compatibility/2006" xmlns:a14="http://schemas.microsoft.com/office/drawing/2010/main">
+        <mc:Choice Requires="a14">
           <p:sp>
             <p:nvSpPr>
               <p:cNvPr id="108" name="TextBox 107">
@@ -9446,7 +9416,7 @@
             </p:txBody>
           </p:sp>
         </mc:Choice>
-        <mc:Fallback>
+        <mc:Fallback xmlns="">
           <p:sp>
             <p:nvSpPr>
               <p:cNvPr id="108" name="TextBox 107">
@@ -9491,8 +9461,8 @@
           </p:sp>
         </mc:Fallback>
       </mc:AlternateContent>
-      <mc:AlternateContent xmlns:mc="http://schemas.openxmlformats.org/markup-compatibility/2006">
-        <mc:Choice xmlns:a14="http://schemas.microsoft.com/office/drawing/2010/main" Requires="a14">
+      <mc:AlternateContent xmlns:mc="http://schemas.openxmlformats.org/markup-compatibility/2006" xmlns:a14="http://schemas.microsoft.com/office/drawing/2010/main">
+        <mc:Choice Requires="a14">
           <p:sp>
             <p:nvSpPr>
               <p:cNvPr id="119" name="TextBox 118">
@@ -9580,7 +9550,7 @@
             </p:txBody>
           </p:sp>
         </mc:Choice>
-        <mc:Fallback>
+        <mc:Fallback xmlns="">
           <p:sp>
             <p:nvSpPr>
               <p:cNvPr id="119" name="TextBox 118">
@@ -9639,7 +9609,7 @@
         </p:nvSpPr>
         <p:spPr>
           <a:xfrm>
-            <a:off x="7215915" y="6531397"/>
+            <a:off x="7215915" y="6451187"/>
             <a:ext cx="1309974" cy="307777"/>
           </a:xfrm>
           <a:prstGeom prst="rect">
@@ -9676,8 +9646,8 @@
         </p:nvSpPr>
         <p:spPr>
           <a:xfrm>
-            <a:off x="7252809" y="6888203"/>
-            <a:ext cx="6299245" cy="523220"/>
+            <a:off x="7252809" y="6759867"/>
+            <a:ext cx="6299245" cy="307777"/>
           </a:xfrm>
           <a:prstGeom prst="rect">
             <a:avLst/>
@@ -9696,23 +9666,7 @@
                 <a:ea typeface="Verdana" panose="020B0604030504040204" pitchFamily="34" charset="0"/>
                 <a:cs typeface="Verdana" panose="020B0604030504040204" pitchFamily="34" charset="0"/>
               </a:rPr>
-              <a:t>Uncertainty is often expressed in terms of a set of well-known distributions (see distributions </a:t>
-            </a:r>
-            <a:r>
-              <a:rPr lang="en-US" sz="1400" dirty="0" err="1">
-                <a:latin typeface="FoundrySterling-Book" pitchFamily="2" charset="0"/>
-                <a:ea typeface="Verdana" panose="020B0604030504040204" pitchFamily="34" charset="0"/>
-                <a:cs typeface="Verdana" panose="020B0604030504040204" pitchFamily="34" charset="0"/>
-              </a:rPr>
-              <a:t>cheatsheet</a:t>
-            </a:r>
-            <a:r>
-              <a:rPr lang="en-US" sz="1400" dirty="0">
-                <a:latin typeface="FoundrySterling-Book" pitchFamily="2" charset="0"/>
-                <a:ea typeface="Verdana" panose="020B0604030504040204" pitchFamily="34" charset="0"/>
-                <a:cs typeface="Verdana" panose="020B0604030504040204" pitchFamily="34" charset="0"/>
-              </a:rPr>
-              <a:t>).  For example:</a:t>
+              <a:t>Probabilities are often expressed in terms of a set of well-known distributions</a:t>
             </a:r>
             <a:endParaRPr lang="en-US" sz="1400" i="1" dirty="0">
               <a:latin typeface="FoundrySterling-Book" pitchFamily="2" charset="0"/>
@@ -9738,7 +9692,7 @@
             </p:nvSpPr>
             <p:spPr>
               <a:xfrm>
-                <a:off x="7372633" y="7474426"/>
+                <a:off x="7372633" y="7153586"/>
                 <a:ext cx="762580" cy="184666"/>
               </a:xfrm>
               <a:prstGeom prst="rect">
@@ -9810,7 +9764,7 @@
             </p:nvSpPr>
             <p:spPr>
               <a:xfrm>
-                <a:off x="7372633" y="7474426"/>
+                <a:off x="7372633" y="7153586"/>
                 <a:ext cx="762580" cy="184666"/>
               </a:xfrm>
               <a:prstGeom prst="rect">
@@ -9819,7 +9773,7 @@
               <a:blipFill>
                 <a:blip r:embed="rId30"/>
                 <a:stretch>
-                  <a:fillRect l="-4918" t="-6667" r="-6557" b="-40000"/>
+                  <a:fillRect l="-4918" t="-13333" r="-6557" b="-40000"/>
                 </a:stretch>
               </a:blipFill>
             </p:spPr>
@@ -9888,8 +9842,8 @@
             </a:prstGeom>
           </p:spPr>
         </p:pic>
-        <mc:AlternateContent xmlns:mc="http://schemas.openxmlformats.org/markup-compatibility/2006">
-          <mc:Choice xmlns:a14="http://schemas.microsoft.com/office/drawing/2010/main" Requires="a14">
+        <mc:AlternateContent xmlns:mc="http://schemas.openxmlformats.org/markup-compatibility/2006" xmlns:a14="http://schemas.microsoft.com/office/drawing/2010/main">
+          <mc:Choice Requires="a14">
             <p:sp>
               <p:nvSpPr>
                 <p:cNvPr id="11" name="TextBox 10">
@@ -9918,6 +9872,7 @@
                 </a:bodyPr>
                 <a:lstStyle/>
                 <a:p>
+                  <a:pPr/>
                   <a14:m>
                     <m:oMathPara xmlns:m="http://schemas.openxmlformats.org/officeDocument/2006/math">
                       <m:oMathParaPr>
@@ -9941,7 +9896,7 @@
               </p:txBody>
             </p:sp>
           </mc:Choice>
-          <mc:Fallback>
+          <mc:Fallback xmlns="">
             <p:sp>
               <p:nvSpPr>
                 <p:cNvPr id="11" name="TextBox 10">
@@ -10262,7 +10217,7 @@
             </p:nvSpPr>
             <p:spPr>
               <a:xfrm>
-                <a:off x="8303590" y="7424013"/>
+                <a:off x="8303590" y="7103173"/>
                 <a:ext cx="3489032" cy="276999"/>
               </a:xfrm>
               <a:prstGeom prst="rect">
@@ -10319,7 +10274,7 @@
             </p:nvSpPr>
             <p:spPr>
               <a:xfrm>
-                <a:off x="8303590" y="7424013"/>
+                <a:off x="8303590" y="7103173"/>
                 <a:ext cx="3489032" cy="276999"/>
               </a:xfrm>
               <a:prstGeom prst="rect">
@@ -10363,7 +10318,7 @@
             </p:nvSpPr>
             <p:spPr>
               <a:xfrm>
-                <a:off x="7372633" y="7720403"/>
+                <a:off x="7372633" y="7399563"/>
                 <a:ext cx="1131528" cy="184666"/>
               </a:xfrm>
               <a:prstGeom prst="rect">
@@ -10462,7 +10417,7 @@
             </p:nvSpPr>
             <p:spPr>
               <a:xfrm>
-                <a:off x="7372633" y="7720403"/>
+                <a:off x="7372633" y="7399563"/>
                 <a:ext cx="1131528" cy="184666"/>
               </a:xfrm>
               <a:prstGeom prst="rect">
@@ -10506,7 +10461,7 @@
             </p:nvSpPr>
             <p:spPr>
               <a:xfrm>
-                <a:off x="8642298" y="7688322"/>
+                <a:off x="8642298" y="7367482"/>
                 <a:ext cx="4543808" cy="276999"/>
               </a:xfrm>
               <a:prstGeom prst="rect">
@@ -10595,7 +10550,7 @@
             </p:nvSpPr>
             <p:spPr>
               <a:xfrm>
-                <a:off x="8642298" y="7688322"/>
+                <a:off x="8642298" y="7367482"/>
                 <a:ext cx="4543808" cy="276999"/>
               </a:xfrm>
               <a:prstGeom prst="rect">
@@ -10604,7 +10559,7 @@
               <a:blipFill>
                 <a:blip r:embed="rId35"/>
                 <a:stretch>
-                  <a:fillRect b="-13043"/>
+                  <a:fillRect t="-4545" b="-13636"/>
                 </a:stretch>
               </a:blipFill>
             </p:spPr>
@@ -10672,8 +10627,8 @@
             </a:prstGeom>
           </p:spPr>
         </p:pic>
-        <mc:AlternateContent xmlns:mc="http://schemas.openxmlformats.org/markup-compatibility/2006">
-          <mc:Choice xmlns:a14="http://schemas.microsoft.com/office/drawing/2010/main" Requires="a14">
+        <mc:AlternateContent xmlns:mc="http://schemas.openxmlformats.org/markup-compatibility/2006" xmlns:a14="http://schemas.microsoft.com/office/drawing/2010/main">
+          <mc:Choice Requires="a14">
             <p:sp>
               <p:nvSpPr>
                 <p:cNvPr id="10" name="TextBox 9">
@@ -10702,6 +10657,7 @@
                 </a:bodyPr>
                 <a:lstStyle/>
                 <a:p>
+                  <a:pPr/>
                   <a14:m>
                     <m:oMathPara xmlns:m="http://schemas.openxmlformats.org/officeDocument/2006/math">
                       <m:oMathParaPr>
@@ -10722,7 +10678,7 @@
               </p:txBody>
             </p:sp>
           </mc:Choice>
-          <mc:Fallback>
+          <mc:Fallback xmlns="">
             <p:sp>
               <p:nvSpPr>
                 <p:cNvPr id="10" name="TextBox 9">
@@ -10767,8 +10723,8 @@
             </p:sp>
           </mc:Fallback>
         </mc:AlternateContent>
-        <mc:AlternateContent xmlns:mc="http://schemas.openxmlformats.org/markup-compatibility/2006">
-          <mc:Choice xmlns:a14="http://schemas.microsoft.com/office/drawing/2010/main" Requires="a14">
+        <mc:AlternateContent xmlns:mc="http://schemas.openxmlformats.org/markup-compatibility/2006" xmlns:a14="http://schemas.microsoft.com/office/drawing/2010/main">
+          <mc:Choice Requires="a14">
             <p:sp>
               <p:nvSpPr>
                 <p:cNvPr id="120" name="TextBox 119">
@@ -10797,6 +10753,7 @@
                 </a:bodyPr>
                 <a:lstStyle/>
                 <a:p>
+                  <a:pPr/>
                   <a14:m>
                     <m:oMathPara xmlns:m="http://schemas.openxmlformats.org/officeDocument/2006/math">
                       <m:oMathParaPr>
@@ -10817,7 +10774,7 @@
               </p:txBody>
             </p:sp>
           </mc:Choice>
-          <mc:Fallback>
+          <mc:Fallback xmlns="">
             <p:sp>
               <p:nvSpPr>
                 <p:cNvPr id="120" name="TextBox 119">
@@ -10862,8 +10819,8 @@
             </p:sp>
           </mc:Fallback>
         </mc:AlternateContent>
-        <mc:AlternateContent xmlns:mc="http://schemas.openxmlformats.org/markup-compatibility/2006">
-          <mc:Choice xmlns:a14="http://schemas.microsoft.com/office/drawing/2010/main" Requires="a14">
+        <mc:AlternateContent xmlns:mc="http://schemas.openxmlformats.org/markup-compatibility/2006" xmlns:a14="http://schemas.microsoft.com/office/drawing/2010/main">
+          <mc:Choice Requires="a14">
             <p:sp>
               <p:nvSpPr>
                 <p:cNvPr id="122" name="TextBox 121">
@@ -10892,6 +10849,7 @@
                 </a:bodyPr>
                 <a:lstStyle/>
                 <a:p>
+                  <a:pPr/>
                   <a14:m>
                     <m:oMathPara xmlns:m="http://schemas.openxmlformats.org/officeDocument/2006/math">
                       <m:oMathParaPr>
@@ -10924,7 +10882,7 @@
               </p:txBody>
             </p:sp>
           </mc:Choice>
-          <mc:Fallback>
+          <mc:Fallback xmlns="">
             <p:sp>
               <p:nvSpPr>
                 <p:cNvPr id="122" name="TextBox 121">
@@ -11739,7 +11697,7 @@
         <p:spPr>
           <a:xfrm>
             <a:off x="7252809" y="8095775"/>
-            <a:ext cx="1928733" cy="307777"/>
+            <a:ext cx="3134191" cy="307777"/>
           </a:xfrm>
           <a:prstGeom prst="rect">
             <a:avLst/>
@@ -11756,7 +11714,7 @@
               <a:rPr lang="en-US" sz="1400" b="1" dirty="0">
                 <a:latin typeface="FoundrySterling-Book" pitchFamily="2" charset="0"/>
               </a:rPr>
-              <a:t>6. Statistical summaries</a:t>
+              <a:t>6. Statistical summaries of a distribution</a:t>
             </a:r>
           </a:p>
         </p:txBody>
@@ -11874,8 +11832,8 @@
           </a:p>
         </p:txBody>
       </p:sp>
-      <mc:AlternateContent xmlns:mc="http://schemas.openxmlformats.org/markup-compatibility/2006">
-        <mc:Choice xmlns:a14="http://schemas.microsoft.com/office/drawing/2010/main" Requires="a14">
+      <mc:AlternateContent xmlns:mc="http://schemas.openxmlformats.org/markup-compatibility/2006" xmlns:a14="http://schemas.microsoft.com/office/drawing/2010/main">
+        <mc:Choice Requires="a14">
           <p:sp>
             <p:nvSpPr>
               <p:cNvPr id="175" name="TextBox 174">
@@ -12032,7 +11990,7 @@
             </p:txBody>
           </p:sp>
         </mc:Choice>
-        <mc:Fallback>
+        <mc:Fallback xmlns="">
           <p:sp>
             <p:nvSpPr>
               <p:cNvPr id="175" name="TextBox 174">
@@ -12296,8 +12254,8 @@
           </a:p>
         </p:txBody>
       </p:sp>
-      <mc:AlternateContent xmlns:mc="http://schemas.openxmlformats.org/markup-compatibility/2006">
-        <mc:Choice xmlns:a14="http://schemas.microsoft.com/office/drawing/2010/main" Requires="a14">
+      <mc:AlternateContent xmlns:mc="http://schemas.openxmlformats.org/markup-compatibility/2006" xmlns:a14="http://schemas.microsoft.com/office/drawing/2010/main">
+        <mc:Choice Requires="a14">
           <p:sp>
             <p:nvSpPr>
               <p:cNvPr id="202" name="TextBox 201">
@@ -12558,7 +12516,7 @@
             </p:txBody>
           </p:sp>
         </mc:Choice>
-        <mc:Fallback>
+        <mc:Fallback xmlns="">
           <p:sp>
             <p:nvSpPr>
               <p:cNvPr id="202" name="TextBox 201">
@@ -12780,8 +12738,8 @@
           </a:p>
         </p:txBody>
       </p:sp>
-      <mc:AlternateContent xmlns:mc="http://schemas.openxmlformats.org/markup-compatibility/2006">
-        <mc:Choice xmlns:a14="http://schemas.microsoft.com/office/drawing/2010/main" Requires="a14">
+      <mc:AlternateContent xmlns:mc="http://schemas.openxmlformats.org/markup-compatibility/2006" xmlns:a14="http://schemas.microsoft.com/office/drawing/2010/main">
+        <mc:Choice Requires="a14">
           <p:sp>
             <p:nvSpPr>
               <p:cNvPr id="210" name="TextBox 209">
@@ -12999,7 +12957,7 @@
             </p:txBody>
           </p:sp>
         </mc:Choice>
-        <mc:Fallback>
+        <mc:Fallback xmlns="">
           <p:sp>
             <p:nvSpPr>
               <p:cNvPr id="210" name="TextBox 209">
@@ -13044,8 +13002,8 @@
           </p:sp>
         </mc:Fallback>
       </mc:AlternateContent>
-      <mc:AlternateContent xmlns:mc="http://schemas.openxmlformats.org/markup-compatibility/2006">
-        <mc:Choice xmlns:a14="http://schemas.microsoft.com/office/drawing/2010/main" Requires="a14">
+      <mc:AlternateContent xmlns:mc="http://schemas.openxmlformats.org/markup-compatibility/2006" xmlns:a14="http://schemas.microsoft.com/office/drawing/2010/main">
+        <mc:Choice Requires="a14">
           <p:sp>
             <p:nvSpPr>
               <p:cNvPr id="211" name="TextBox 210">
@@ -13117,7 +13075,7 @@
             </p:txBody>
           </p:sp>
         </mc:Choice>
-        <mc:Fallback>
+        <mc:Fallback xmlns="">
           <p:sp>
             <p:nvSpPr>
               <p:cNvPr id="211" name="TextBox 210">
@@ -13162,6 +13120,66 @@
           </p:sp>
         </mc:Fallback>
       </mc:AlternateContent>
+      <p:sp>
+        <p:nvSpPr>
+          <p:cNvPr id="160" name="TextBox 159">
+            <a:extLst>
+              <a:ext uri="{FF2B5EF4-FFF2-40B4-BE49-F238E27FC236}">
+                <a16:creationId xmlns:a16="http://schemas.microsoft.com/office/drawing/2014/main" id="{D9AD7666-D9AC-EA43-96A3-6A105A05406F}"/>
+              </a:ext>
+            </a:extLst>
+          </p:cNvPr>
+          <p:cNvSpPr txBox="1"/>
+          <p:nvPr/>
+        </p:nvSpPr>
+        <p:spPr>
+          <a:xfrm>
+            <a:off x="7215915" y="7684129"/>
+            <a:ext cx="6299245" cy="307777"/>
+          </a:xfrm>
+          <a:prstGeom prst="rect">
+            <a:avLst/>
+          </a:prstGeom>
+          <a:noFill/>
+        </p:spPr>
+        <p:txBody>
+          <a:bodyPr wrap="square" rtlCol="0">
+            <a:spAutoFit/>
+          </a:bodyPr>
+          <a:lstStyle/>
+          <a:p>
+            <a:r>
+              <a:rPr lang="en-US" sz="1400" dirty="0">
+                <a:latin typeface="FoundrySterling-Book" pitchFamily="2" charset="0"/>
+                <a:ea typeface="Verdana" panose="020B0604030504040204" pitchFamily="34" charset="0"/>
+                <a:cs typeface="Verdana" panose="020B0604030504040204" pitchFamily="34" charset="0"/>
+              </a:rPr>
+              <a:t>See the separate ‘distributions </a:t>
+            </a:r>
+            <a:r>
+              <a:rPr lang="en-US" sz="1400" dirty="0" err="1">
+                <a:latin typeface="FoundrySterling-Book" pitchFamily="2" charset="0"/>
+                <a:ea typeface="Verdana" panose="020B0604030504040204" pitchFamily="34" charset="0"/>
+                <a:cs typeface="Verdana" panose="020B0604030504040204" pitchFamily="34" charset="0"/>
+              </a:rPr>
+              <a:t>cheatsheet</a:t>
+            </a:r>
+            <a:r>
+              <a:rPr lang="en-US" sz="1400" dirty="0">
+                <a:latin typeface="FoundrySterling-Book" pitchFamily="2" charset="0"/>
+                <a:ea typeface="Verdana" panose="020B0604030504040204" pitchFamily="34" charset="0"/>
+                <a:cs typeface="Verdana" panose="020B0604030504040204" pitchFamily="34" charset="0"/>
+              </a:rPr>
+              <a:t>’ for more.</a:t>
+            </a:r>
+            <a:endParaRPr lang="en-US" sz="1400" i="1" dirty="0">
+              <a:latin typeface="FoundrySterling-Book" pitchFamily="2" charset="0"/>
+              <a:ea typeface="Verdana" panose="020B0604030504040204" pitchFamily="34" charset="0"/>
+              <a:cs typeface="Verdana" panose="020B0604030504040204" pitchFamily="34" charset="0"/>
+            </a:endParaRPr>
+          </a:p>
+        </p:txBody>
+      </p:sp>
     </p:spTree>
     <p:extLst>
       <p:ext uri="{BB962C8B-B14F-4D97-AF65-F5344CB8AC3E}">

--- a/Statistical_modelling/Introduction/notes/Probability cheatsheet.pptx
+++ b/Statistical_modelling/Introduction/notes/Probability cheatsheet.pptx
@@ -7840,8 +7840,8 @@
           </a:p>
         </p:txBody>
       </p:sp>
-      <mc:AlternateContent xmlns:mc="http://schemas.openxmlformats.org/markup-compatibility/2006" xmlns:a14="http://schemas.microsoft.com/office/drawing/2010/main">
-        <mc:Choice Requires="a14">
+      <mc:AlternateContent xmlns:mc="http://schemas.openxmlformats.org/markup-compatibility/2006">
+        <mc:Choice xmlns:a14="http://schemas.microsoft.com/office/drawing/2010/main" Requires="a14">
           <p:sp>
             <p:nvSpPr>
               <p:cNvPr id="123" name="TextBox 122">
@@ -7856,7 +7856,7 @@
             </p:nvSpPr>
             <p:spPr>
               <a:xfrm>
-                <a:off x="7281643" y="1847038"/>
+                <a:off x="7281643" y="1718702"/>
                 <a:ext cx="5954193" cy="307777"/>
               </a:xfrm>
               <a:prstGeom prst="rect">
@@ -7918,7 +7918,7 @@
             </p:txBody>
           </p:sp>
         </mc:Choice>
-        <mc:Fallback xmlns="">
+        <mc:Fallback>
           <p:sp>
             <p:nvSpPr>
               <p:cNvPr id="123" name="TextBox 122">
@@ -7935,7 +7935,7 @@
             </p:nvSpPr>
             <p:spPr>
               <a:xfrm>
-                <a:off x="7281643" y="1847038"/>
+                <a:off x="7281643" y="1718702"/>
                 <a:ext cx="5954193" cy="307777"/>
               </a:xfrm>
               <a:prstGeom prst="rect">
@@ -7963,8 +7963,8 @@
           </p:sp>
         </mc:Fallback>
       </mc:AlternateContent>
-      <mc:AlternateContent xmlns:mc="http://schemas.openxmlformats.org/markup-compatibility/2006" xmlns:a14="http://schemas.microsoft.com/office/drawing/2010/main">
-        <mc:Choice Requires="a14">
+      <mc:AlternateContent xmlns:mc="http://schemas.openxmlformats.org/markup-compatibility/2006">
+        <mc:Choice xmlns:a14="http://schemas.microsoft.com/office/drawing/2010/main" Requires="a14">
           <p:sp>
             <p:nvSpPr>
               <p:cNvPr id="124" name="TextBox 123">
@@ -7979,7 +7979,7 @@
             </p:nvSpPr>
             <p:spPr>
               <a:xfrm>
-                <a:off x="7401467" y="2265988"/>
+                <a:off x="7401467" y="2105568"/>
                 <a:ext cx="801886" cy="184666"/>
               </a:xfrm>
               <a:prstGeom prst="rect">
@@ -8053,7 +8053,7 @@
             </p:txBody>
           </p:sp>
         </mc:Choice>
-        <mc:Fallback xmlns="">
+        <mc:Fallback>
           <p:sp>
             <p:nvSpPr>
               <p:cNvPr id="124" name="TextBox 123">
@@ -8070,7 +8070,7 @@
             </p:nvSpPr>
             <p:spPr>
               <a:xfrm>
-                <a:off x="7401467" y="2265988"/>
+                <a:off x="7401467" y="2105568"/>
                 <a:ext cx="801886" cy="184666"/>
               </a:xfrm>
               <a:prstGeom prst="rect">
@@ -8079,7 +8079,7 @@
               <a:blipFill>
                 <a:blip r:embed="rId19"/>
                 <a:stretch>
-                  <a:fillRect l="-3077" b="-6667"/>
+                  <a:fillRect l="-3077"/>
                 </a:stretch>
               </a:blipFill>
             </p:spPr>
@@ -8098,8 +8098,8 @@
           </p:sp>
         </mc:Fallback>
       </mc:AlternateContent>
-      <mc:AlternateContent xmlns:mc="http://schemas.openxmlformats.org/markup-compatibility/2006" xmlns:a14="http://schemas.microsoft.com/office/drawing/2010/main">
-        <mc:Choice Requires="a14">
+      <mc:AlternateContent xmlns:mc="http://schemas.openxmlformats.org/markup-compatibility/2006">
+        <mc:Choice xmlns:a14="http://schemas.microsoft.com/office/drawing/2010/main" Requires="a14">
           <p:sp>
             <p:nvSpPr>
               <p:cNvPr id="125" name="TextBox 124">
@@ -8114,7 +8114,7 @@
             </p:nvSpPr>
             <p:spPr>
               <a:xfrm>
-                <a:off x="8661657" y="2238072"/>
+                <a:off x="8661657" y="2077652"/>
                 <a:ext cx="3628942" cy="276999"/>
               </a:xfrm>
               <a:prstGeom prst="rect">
@@ -8184,7 +8184,7 @@
             </p:txBody>
           </p:sp>
         </mc:Choice>
-        <mc:Fallback xmlns="">
+        <mc:Fallback>
           <p:sp>
             <p:nvSpPr>
               <p:cNvPr id="125" name="TextBox 124">
@@ -8201,7 +8201,7 @@
             </p:nvSpPr>
             <p:spPr>
               <a:xfrm>
-                <a:off x="8661657" y="2238072"/>
+                <a:off x="8661657" y="2077652"/>
                 <a:ext cx="3628942" cy="276999"/>
               </a:xfrm>
               <a:prstGeom prst="rect">
@@ -8229,8 +8229,8 @@
           </p:sp>
         </mc:Fallback>
       </mc:AlternateContent>
-      <mc:AlternateContent xmlns:mc="http://schemas.openxmlformats.org/markup-compatibility/2006" xmlns:a14="http://schemas.microsoft.com/office/drawing/2010/main">
-        <mc:Choice Requires="a14">
+      <mc:AlternateContent xmlns:mc="http://schemas.openxmlformats.org/markup-compatibility/2006">
+        <mc:Choice xmlns:a14="http://schemas.microsoft.com/office/drawing/2010/main" Requires="a14">
           <p:sp>
             <p:nvSpPr>
               <p:cNvPr id="126" name="TextBox 125">
@@ -8245,7 +8245,7 @@
             </p:nvSpPr>
             <p:spPr>
               <a:xfrm>
-                <a:off x="7401467" y="3088893"/>
+                <a:off x="7401467" y="2864305"/>
                 <a:ext cx="1125565" cy="184666"/>
               </a:xfrm>
               <a:prstGeom prst="rect">
@@ -8331,7 +8331,7 @@
             </p:txBody>
           </p:sp>
         </mc:Choice>
-        <mc:Fallback xmlns="">
+        <mc:Fallback>
           <p:sp>
             <p:nvSpPr>
               <p:cNvPr id="126" name="TextBox 125">
@@ -8348,7 +8348,7 @@
             </p:nvSpPr>
             <p:spPr>
               <a:xfrm>
-                <a:off x="7401467" y="3088893"/>
+                <a:off x="7401467" y="2864305"/>
                 <a:ext cx="1125565" cy="184666"/>
               </a:xfrm>
               <a:prstGeom prst="rect">
@@ -8357,7 +8357,7 @@
               <a:blipFill>
                 <a:blip r:embed="rId21"/>
                 <a:stretch>
-                  <a:fillRect l="-2222" t="-13333" b="-40000"/>
+                  <a:fillRect l="-2222" t="-6250" b="-31250"/>
                 </a:stretch>
               </a:blipFill>
             </p:spPr>
@@ -8376,8 +8376,8 @@
           </p:sp>
         </mc:Fallback>
       </mc:AlternateContent>
-      <mc:AlternateContent xmlns:mc="http://schemas.openxmlformats.org/markup-compatibility/2006" xmlns:a14="http://schemas.microsoft.com/office/drawing/2010/main">
-        <mc:Choice Requires="a14">
+      <mc:AlternateContent xmlns:mc="http://schemas.openxmlformats.org/markup-compatibility/2006">
+        <mc:Choice xmlns:a14="http://schemas.microsoft.com/office/drawing/2010/main" Requires="a14">
           <p:sp>
             <p:nvSpPr>
               <p:cNvPr id="129" name="TextBox 128">
@@ -8392,7 +8392,7 @@
             </p:nvSpPr>
             <p:spPr>
               <a:xfrm>
-                <a:off x="8796018" y="2950254"/>
+                <a:off x="8796018" y="2725666"/>
                 <a:ext cx="1330749" cy="418961"/>
               </a:xfrm>
               <a:prstGeom prst="rect">
@@ -8508,7 +8508,7 @@
             </p:txBody>
           </p:sp>
         </mc:Choice>
-        <mc:Fallback xmlns="">
+        <mc:Fallback>
           <p:sp>
             <p:nvSpPr>
               <p:cNvPr id="129" name="TextBox 128">
@@ -8525,7 +8525,7 @@
             </p:nvSpPr>
             <p:spPr>
               <a:xfrm>
-                <a:off x="8796018" y="2950254"/>
+                <a:off x="8796018" y="2725666"/>
                 <a:ext cx="1330749" cy="418961"/>
               </a:xfrm>
               <a:prstGeom prst="rect">
@@ -8534,7 +8534,7 @@
               <a:blipFill>
                 <a:blip r:embed="rId22"/>
                 <a:stretch>
-                  <a:fillRect l="-35849" t="-179412" r="-1887" b="-261765"/>
+                  <a:fillRect l="-35849" t="-176471" r="-1887" b="-261765"/>
                 </a:stretch>
               </a:blipFill>
             </p:spPr>
@@ -8722,8 +8722,8 @@
           </p:sp>
         </mc:Fallback>
       </mc:AlternateContent>
-      <mc:AlternateContent xmlns:mc="http://schemas.openxmlformats.org/markup-compatibility/2006" xmlns:a14="http://schemas.microsoft.com/office/drawing/2010/main">
-        <mc:Choice Requires="a14">
+      <mc:AlternateContent xmlns:mc="http://schemas.openxmlformats.org/markup-compatibility/2006">
+        <mc:Choice xmlns:a14="http://schemas.microsoft.com/office/drawing/2010/main" Requires="a14">
           <p:sp>
             <p:nvSpPr>
               <p:cNvPr id="132" name="TextBox 131">
@@ -8738,7 +8738,7 @@
             </p:nvSpPr>
             <p:spPr>
               <a:xfrm>
-                <a:off x="7401467" y="1445374"/>
+                <a:off x="7401467" y="1381206"/>
                 <a:ext cx="801886" cy="184666"/>
               </a:xfrm>
               <a:prstGeom prst="rect">
@@ -8812,7 +8812,7 @@
             </p:txBody>
           </p:sp>
         </mc:Choice>
-        <mc:Fallback xmlns="">
+        <mc:Fallback>
           <p:sp>
             <p:nvSpPr>
               <p:cNvPr id="132" name="TextBox 131">
@@ -8829,7 +8829,7 @@
             </p:nvSpPr>
             <p:spPr>
               <a:xfrm>
-                <a:off x="7401467" y="1445374"/>
+                <a:off x="7401467" y="1381206"/>
                 <a:ext cx="801886" cy="184666"/>
               </a:xfrm>
               <a:prstGeom prst="rect">
@@ -8838,7 +8838,7 @@
               <a:blipFill>
                 <a:blip r:embed="rId24"/>
                 <a:stretch>
-                  <a:fillRect l="-3077" b="-6250"/>
+                  <a:fillRect l="-3077"/>
                 </a:stretch>
               </a:blipFill>
             </p:spPr>
@@ -8857,8 +8857,8 @@
           </p:sp>
         </mc:Fallback>
       </mc:AlternateContent>
-      <mc:AlternateContent xmlns:mc="http://schemas.openxmlformats.org/markup-compatibility/2006" xmlns:a14="http://schemas.microsoft.com/office/drawing/2010/main">
-        <mc:Choice Requires="a14">
+      <mc:AlternateContent xmlns:mc="http://schemas.openxmlformats.org/markup-compatibility/2006">
+        <mc:Choice xmlns:a14="http://schemas.microsoft.com/office/drawing/2010/main" Requires="a14">
           <p:sp>
             <p:nvSpPr>
               <p:cNvPr id="133" name="TextBox 132">
@@ -8873,7 +8873,7 @@
             </p:nvSpPr>
             <p:spPr>
               <a:xfrm>
-                <a:off x="8510301" y="1416639"/>
+                <a:off x="8510301" y="1352471"/>
                 <a:ext cx="1969257" cy="276999"/>
               </a:xfrm>
               <a:prstGeom prst="rect">
@@ -8929,7 +8929,7 @@
             </p:txBody>
           </p:sp>
         </mc:Choice>
-        <mc:Fallback xmlns="">
+        <mc:Fallback>
           <p:sp>
             <p:nvSpPr>
               <p:cNvPr id="133" name="TextBox 132">
@@ -8946,7 +8946,7 @@
             </p:nvSpPr>
             <p:spPr>
               <a:xfrm>
-                <a:off x="8510301" y="1416639"/>
+                <a:off x="8510301" y="1352471"/>
                 <a:ext cx="1969257" cy="276999"/>
               </a:xfrm>
               <a:prstGeom prst="rect">
@@ -8974,8 +8974,8 @@
           </p:sp>
         </mc:Fallback>
       </mc:AlternateContent>
-      <mc:AlternateContent xmlns:mc="http://schemas.openxmlformats.org/markup-compatibility/2006" xmlns:a14="http://schemas.microsoft.com/office/drawing/2010/main">
-        <mc:Choice Requires="a14">
+      <mc:AlternateContent xmlns:mc="http://schemas.openxmlformats.org/markup-compatibility/2006">
+        <mc:Choice xmlns:a14="http://schemas.microsoft.com/office/drawing/2010/main" Requires="a14">
           <p:sp>
             <p:nvSpPr>
               <p:cNvPr id="134" name="TextBox 133">
@@ -8990,7 +8990,7 @@
             </p:nvSpPr>
             <p:spPr>
               <a:xfrm>
-                <a:off x="10479679" y="3068777"/>
+                <a:off x="10479679" y="2844189"/>
                 <a:ext cx="2640210" cy="276999"/>
               </a:xfrm>
               <a:prstGeom prst="rect">
@@ -9062,7 +9062,7 @@
             </p:txBody>
           </p:sp>
         </mc:Choice>
-        <mc:Fallback xmlns="">
+        <mc:Fallback>
           <p:sp>
             <p:nvSpPr>
               <p:cNvPr id="134" name="TextBox 133">
@@ -9079,7 +9079,7 @@
             </p:nvSpPr>
             <p:spPr>
               <a:xfrm>
-                <a:off x="10479679" y="3068777"/>
+                <a:off x="10479679" y="2844189"/>
                 <a:ext cx="2640210" cy="276999"/>
               </a:xfrm>
               <a:prstGeom prst="rect">
@@ -9088,7 +9088,7 @@
               <a:blipFill>
                 <a:blip r:embed="rId26"/>
                 <a:stretch>
-                  <a:fillRect b="-13043"/>
+                  <a:fillRect t="-4545" b="-13636"/>
                 </a:stretch>
               </a:blipFill>
             </p:spPr>
@@ -9121,7 +9121,7 @@
         </p:nvSpPr>
         <p:spPr>
           <a:xfrm>
-            <a:off x="7281643" y="2632714"/>
+            <a:off x="7281643" y="2408126"/>
             <a:ext cx="5954193" cy="307777"/>
           </a:xfrm>
           <a:prstGeom prst="rect">
@@ -9146,8 +9146,8 @@
           </a:p>
         </p:txBody>
       </p:sp>
-      <mc:AlternateContent xmlns:mc="http://schemas.openxmlformats.org/markup-compatibility/2006" xmlns:a14="http://schemas.microsoft.com/office/drawing/2010/main">
-        <mc:Choice Requires="a14">
+      <mc:AlternateContent xmlns:mc="http://schemas.openxmlformats.org/markup-compatibility/2006">
+        <mc:Choice xmlns:a14="http://schemas.microsoft.com/office/drawing/2010/main" Requires="a14">
           <p:sp>
             <p:nvSpPr>
               <p:cNvPr id="96" name="TextBox 95">
@@ -9162,7 +9162,7 @@
             </p:nvSpPr>
             <p:spPr>
               <a:xfrm>
-                <a:off x="7401467" y="3655429"/>
+                <a:off x="7401467" y="3430841"/>
                 <a:ext cx="835870" cy="184666"/>
               </a:xfrm>
               <a:prstGeom prst="rect">
@@ -9242,7 +9242,7 @@
             </p:txBody>
           </p:sp>
         </mc:Choice>
-        <mc:Fallback xmlns="">
+        <mc:Fallback>
           <p:sp>
             <p:nvSpPr>
               <p:cNvPr id="96" name="TextBox 95">
@@ -9259,7 +9259,7 @@
             </p:nvSpPr>
             <p:spPr>
               <a:xfrm>
-                <a:off x="7401467" y="3655429"/>
+                <a:off x="7401467" y="3430841"/>
                 <a:ext cx="835870" cy="184666"/>
               </a:xfrm>
               <a:prstGeom prst="rect">
@@ -9287,8 +9287,8 @@
           </p:sp>
         </mc:Fallback>
       </mc:AlternateContent>
-      <mc:AlternateContent xmlns:mc="http://schemas.openxmlformats.org/markup-compatibility/2006" xmlns:a14="http://schemas.microsoft.com/office/drawing/2010/main">
-        <mc:Choice Requires="a14">
+      <mc:AlternateContent xmlns:mc="http://schemas.openxmlformats.org/markup-compatibility/2006">
+        <mc:Choice xmlns:a14="http://schemas.microsoft.com/office/drawing/2010/main" Requires="a14">
           <p:sp>
             <p:nvSpPr>
               <p:cNvPr id="108" name="TextBox 107">
@@ -9303,7 +9303,7 @@
             </p:nvSpPr>
             <p:spPr>
               <a:xfrm>
-                <a:off x="8796018" y="3516790"/>
+                <a:off x="8796018" y="3292202"/>
                 <a:ext cx="1389611" cy="417935"/>
               </a:xfrm>
               <a:prstGeom prst="rect">
@@ -9416,7 +9416,7 @@
             </p:txBody>
           </p:sp>
         </mc:Choice>
-        <mc:Fallback xmlns="">
+        <mc:Fallback>
           <p:sp>
             <p:nvSpPr>
               <p:cNvPr id="108" name="TextBox 107">
@@ -9433,7 +9433,7 @@
             </p:nvSpPr>
             <p:spPr>
               <a:xfrm>
-                <a:off x="8796018" y="3516790"/>
+                <a:off x="8796018" y="3292202"/>
                 <a:ext cx="1389611" cy="417935"/>
               </a:xfrm>
               <a:prstGeom prst="rect">
@@ -9442,7 +9442,7 @@
               <a:blipFill>
                 <a:blip r:embed="rId28"/>
                 <a:stretch>
-                  <a:fillRect l="-34234" t="-176471" r="-1802" b="-261765"/>
+                  <a:fillRect l="-34234" t="-179412" r="-1802" b="-261765"/>
                 </a:stretch>
               </a:blipFill>
             </p:spPr>
@@ -9461,8 +9461,8 @@
           </p:sp>
         </mc:Fallback>
       </mc:AlternateContent>
-      <mc:AlternateContent xmlns:mc="http://schemas.openxmlformats.org/markup-compatibility/2006" xmlns:a14="http://schemas.microsoft.com/office/drawing/2010/main">
-        <mc:Choice Requires="a14">
+      <mc:AlternateContent xmlns:mc="http://schemas.openxmlformats.org/markup-compatibility/2006">
+        <mc:Choice xmlns:a14="http://schemas.microsoft.com/office/drawing/2010/main" Requires="a14">
           <p:sp>
             <p:nvSpPr>
               <p:cNvPr id="119" name="TextBox 118">
@@ -9477,7 +9477,7 @@
             </p:nvSpPr>
             <p:spPr>
               <a:xfrm>
-                <a:off x="10473128" y="3621502"/>
+                <a:off x="10473128" y="3396914"/>
                 <a:ext cx="2986715" cy="276999"/>
               </a:xfrm>
               <a:prstGeom prst="rect">
@@ -9550,7 +9550,7 @@
             </p:txBody>
           </p:sp>
         </mc:Choice>
-        <mc:Fallback xmlns="">
+        <mc:Fallback>
           <p:sp>
             <p:nvSpPr>
               <p:cNvPr id="119" name="TextBox 118">
@@ -9567,7 +9567,7 @@
             </p:nvSpPr>
             <p:spPr>
               <a:xfrm>
-                <a:off x="10473128" y="3621502"/>
+                <a:off x="10473128" y="3396914"/>
                 <a:ext cx="2986715" cy="276999"/>
               </a:xfrm>
               <a:prstGeom prst="rect">
@@ -9609,8 +9609,8 @@
         </p:nvSpPr>
         <p:spPr>
           <a:xfrm>
-            <a:off x="7215915" y="6451187"/>
-            <a:ext cx="1309974" cy="307777"/>
+            <a:off x="7215915" y="6290767"/>
+            <a:ext cx="2023311" cy="307777"/>
           </a:xfrm>
           <a:prstGeom prst="rect">
             <a:avLst/>
@@ -9627,7 +9627,7 @@
               <a:rPr lang="en-US" sz="1400" b="1" dirty="0">
                 <a:latin typeface="FoundrySterling-Book" pitchFamily="2" charset="0"/>
               </a:rPr>
-              <a:t>5. Distributions</a:t>
+              <a:t>5. Common distributions</a:t>
             </a:r>
           </a:p>
         </p:txBody>
@@ -9646,7 +9646,7 @@
         </p:nvSpPr>
         <p:spPr>
           <a:xfrm>
-            <a:off x="7252809" y="6759867"/>
+            <a:off x="7252809" y="6599447"/>
             <a:ext cx="6299245" cy="307777"/>
           </a:xfrm>
           <a:prstGeom prst="rect">
@@ -9692,7 +9692,7 @@
             </p:nvSpPr>
             <p:spPr>
               <a:xfrm>
-                <a:off x="7372633" y="7153586"/>
+                <a:off x="7372633" y="6993166"/>
                 <a:ext cx="762580" cy="184666"/>
               </a:xfrm>
               <a:prstGeom prst="rect">
@@ -9764,7 +9764,7 @@
             </p:nvSpPr>
             <p:spPr>
               <a:xfrm>
-                <a:off x="7372633" y="7153586"/>
+                <a:off x="7372633" y="6993166"/>
                 <a:ext cx="762580" cy="184666"/>
               </a:xfrm>
               <a:prstGeom prst="rect">
@@ -9773,7 +9773,7 @@
               <a:blipFill>
                 <a:blip r:embed="rId30"/>
                 <a:stretch>
-                  <a:fillRect l="-4918" t="-13333" r="-6557" b="-40000"/>
+                  <a:fillRect l="-4918" t="-6667" r="-6557" b="-40000"/>
                 </a:stretch>
               </a:blipFill>
             </p:spPr>
@@ -9806,7 +9806,7 @@
         </p:nvGrpSpPr>
         <p:grpSpPr>
           <a:xfrm>
-            <a:off x="7525630" y="4189174"/>
+            <a:off x="7525630" y="3948544"/>
             <a:ext cx="2743200" cy="2109553"/>
             <a:chOff x="7525630" y="4189174"/>
             <a:chExt cx="2743200" cy="2109553"/>
@@ -10217,7 +10217,7 @@
             </p:nvSpPr>
             <p:spPr>
               <a:xfrm>
-                <a:off x="8303590" y="7103173"/>
+                <a:off x="8303590" y="6942753"/>
                 <a:ext cx="3489032" cy="276999"/>
               </a:xfrm>
               <a:prstGeom prst="rect">
@@ -10274,7 +10274,7 @@
             </p:nvSpPr>
             <p:spPr>
               <a:xfrm>
-                <a:off x="8303590" y="7103173"/>
+                <a:off x="8303590" y="6942753"/>
                 <a:ext cx="3489032" cy="276999"/>
               </a:xfrm>
               <a:prstGeom prst="rect">
@@ -10318,7 +10318,7 @@
             </p:nvSpPr>
             <p:spPr>
               <a:xfrm>
-                <a:off x="7372633" y="7399563"/>
+                <a:off x="7372633" y="7239143"/>
                 <a:ext cx="1131528" cy="184666"/>
               </a:xfrm>
               <a:prstGeom prst="rect">
@@ -10417,7 +10417,7 @@
             </p:nvSpPr>
             <p:spPr>
               <a:xfrm>
-                <a:off x="7372633" y="7399563"/>
+                <a:off x="7372633" y="7239143"/>
                 <a:ext cx="1131528" cy="184666"/>
               </a:xfrm>
               <a:prstGeom prst="rect">
@@ -10426,7 +10426,7 @@
               <a:blipFill>
                 <a:blip r:embed="rId34"/>
                 <a:stretch>
-                  <a:fillRect l="-3333" t="-6250" r="-4444" b="-31250"/>
+                  <a:fillRect l="-3333" t="-13333" r="-4444" b="-33333"/>
                 </a:stretch>
               </a:blipFill>
             </p:spPr>
@@ -10461,7 +10461,7 @@
             </p:nvSpPr>
             <p:spPr>
               <a:xfrm>
-                <a:off x="8642298" y="7367482"/>
+                <a:off x="8642298" y="7207062"/>
                 <a:ext cx="4543808" cy="276999"/>
               </a:xfrm>
               <a:prstGeom prst="rect">
@@ -10550,7 +10550,7 @@
             </p:nvSpPr>
             <p:spPr>
               <a:xfrm>
-                <a:off x="8642298" y="7367482"/>
+                <a:off x="8642298" y="7207062"/>
                 <a:ext cx="4543808" cy="276999"/>
               </a:xfrm>
               <a:prstGeom prst="rect">
@@ -10559,7 +10559,7 @@
               <a:blipFill>
                 <a:blip r:embed="rId35"/>
                 <a:stretch>
-                  <a:fillRect t="-4545" b="-13636"/>
+                  <a:fillRect b="-13043"/>
                 </a:stretch>
               </a:blipFill>
             </p:spPr>
@@ -10592,7 +10592,7 @@
         </p:nvGrpSpPr>
         <p:grpSpPr>
           <a:xfrm>
-            <a:off x="10305408" y="4189174"/>
+            <a:off x="10305408" y="3948544"/>
             <a:ext cx="3571335" cy="2424680"/>
             <a:chOff x="10305408" y="4189174"/>
             <a:chExt cx="3571335" cy="2424680"/>
@@ -11696,8 +11696,8 @@
         </p:nvSpPr>
         <p:spPr>
           <a:xfrm>
-            <a:off x="7252809" y="8095775"/>
-            <a:ext cx="3134191" cy="307777"/>
+            <a:off x="7252809" y="7951397"/>
+            <a:ext cx="2416046" cy="307777"/>
           </a:xfrm>
           <a:prstGeom prst="rect">
             <a:avLst/>
@@ -11714,7 +11714,7 @@
               <a:rPr lang="en-US" sz="1400" b="1" dirty="0">
                 <a:latin typeface="FoundrySterling-Book" pitchFamily="2" charset="0"/>
               </a:rPr>
-              <a:t>6. Statistical summaries of a distribution</a:t>
+              <a:t>6. Useful statistical summaries</a:t>
             </a:r>
           </a:p>
         </p:txBody>
@@ -11733,7 +11733,7 @@
         </p:nvSpPr>
         <p:spPr>
           <a:xfrm>
-            <a:off x="10479558" y="3847491"/>
+            <a:off x="10479558" y="3622903"/>
             <a:ext cx="1778051" cy="215444"/>
           </a:xfrm>
           <a:prstGeom prst="rect">
@@ -11832,8 +11832,8 @@
           </a:p>
         </p:txBody>
       </p:sp>
-      <mc:AlternateContent xmlns:mc="http://schemas.openxmlformats.org/markup-compatibility/2006" xmlns:a14="http://schemas.microsoft.com/office/drawing/2010/main">
-        <mc:Choice Requires="a14">
+      <mc:AlternateContent xmlns:mc="http://schemas.openxmlformats.org/markup-compatibility/2006">
+        <mc:Choice xmlns:a14="http://schemas.microsoft.com/office/drawing/2010/main" Requires="a14">
           <p:sp>
             <p:nvSpPr>
               <p:cNvPr id="175" name="TextBox 174">
@@ -11848,7 +11848,7 @@
             </p:nvSpPr>
             <p:spPr>
               <a:xfrm>
-                <a:off x="9444158" y="8381309"/>
+                <a:off x="9444158" y="8236931"/>
                 <a:ext cx="2109039" cy="540533"/>
               </a:xfrm>
               <a:prstGeom prst="rect">
@@ -11990,7 +11990,7 @@
             </p:txBody>
           </p:sp>
         </mc:Choice>
-        <mc:Fallback xmlns="">
+        <mc:Fallback>
           <p:sp>
             <p:nvSpPr>
               <p:cNvPr id="175" name="TextBox 174">
@@ -12007,7 +12007,7 @@
             </p:nvSpPr>
             <p:spPr>
               <a:xfrm>
-                <a:off x="9444158" y="8381309"/>
+                <a:off x="9444158" y="8236931"/>
                 <a:ext cx="2109039" cy="540533"/>
               </a:xfrm>
               <a:prstGeom prst="rect">
@@ -12016,7 +12016,7 @@
               <a:blipFill>
                 <a:blip r:embed="rId40"/>
                 <a:stretch>
-                  <a:fillRect t="-113953" b="-162791"/>
+                  <a:fillRect t="-109091" b="-159091"/>
                 </a:stretch>
               </a:blipFill>
             </p:spPr>
@@ -12049,7 +12049,7 @@
         </p:nvSpPr>
         <p:spPr>
           <a:xfrm>
-            <a:off x="7431565" y="8492893"/>
+            <a:off x="7431565" y="8348515"/>
             <a:ext cx="1951175" cy="276999"/>
           </a:xfrm>
           <a:prstGeom prst="rect">
@@ -12101,7 +12101,7 @@
         </p:nvSpPr>
         <p:spPr>
           <a:xfrm>
-            <a:off x="11111024" y="8148297"/>
+            <a:off x="11111024" y="8003919"/>
             <a:ext cx="327334" cy="215444"/>
           </a:xfrm>
           <a:prstGeom prst="rect">
@@ -12145,7 +12145,7 @@
         </p:nvCxnSpPr>
         <p:spPr>
           <a:xfrm flipH="1">
-            <a:off x="11221623" y="8363741"/>
+            <a:off x="11221623" y="8219363"/>
             <a:ext cx="53068" cy="139990"/>
           </a:xfrm>
           <a:prstGeom prst="straightConnector1">
@@ -12174,46 +12174,116 @@
           </a:fontRef>
         </p:style>
       </p:cxnSp>
-      <p:sp>
-        <p:nvSpPr>
-          <p:cNvPr id="200" name="TextBox 199">
-            <a:extLst>
-              <a:ext uri="{FF2B5EF4-FFF2-40B4-BE49-F238E27FC236}">
-                <a16:creationId xmlns:a16="http://schemas.microsoft.com/office/drawing/2014/main" id="{9FE042F9-07F7-9442-B108-E8CC06893066}"/>
-              </a:ext>
-            </a:extLst>
-          </p:cNvPr>
-          <p:cNvSpPr txBox="1"/>
-          <p:nvPr/>
-        </p:nvSpPr>
-        <p:spPr>
-          <a:xfrm>
-            <a:off x="12115617" y="8466730"/>
-            <a:ext cx="1442401" cy="338554"/>
-          </a:xfrm>
-          <a:prstGeom prst="rect">
-            <a:avLst/>
-          </a:prstGeom>
-          <a:noFill/>
-        </p:spPr>
-        <p:txBody>
-          <a:bodyPr wrap="square" rtlCol="0">
-            <a:spAutoFit/>
-          </a:bodyPr>
-          <a:lstStyle/>
-          <a:p>
-            <a:r>
-              <a:rPr lang="en-US" sz="800" dirty="0">
-                <a:solidFill>
-                  <a:srgbClr val="C00000"/>
-                </a:solidFill>
-                <a:latin typeface="FoundrySterling-Book" pitchFamily="2" charset="0"/>
-              </a:rPr>
-              <a:t>sum (or integrate) over all possible values</a:t>
-            </a:r>
-          </a:p>
-        </p:txBody>
-      </p:sp>
+      <mc:AlternateContent xmlns:mc="http://schemas.openxmlformats.org/markup-compatibility/2006">
+        <mc:Choice xmlns:a14="http://schemas.microsoft.com/office/drawing/2010/main" Requires="a14">
+          <p:sp>
+            <p:nvSpPr>
+              <p:cNvPr id="200" name="TextBox 199">
+                <a:extLst>
+                  <a:ext uri="{FF2B5EF4-FFF2-40B4-BE49-F238E27FC236}">
+                    <a16:creationId xmlns:a16="http://schemas.microsoft.com/office/drawing/2014/main" id="{9FE042F9-07F7-9442-B108-E8CC06893066}"/>
+                  </a:ext>
+                </a:extLst>
+              </p:cNvPr>
+              <p:cNvSpPr txBox="1"/>
+              <p:nvPr/>
+            </p:nvSpPr>
+            <p:spPr>
+              <a:xfrm>
+                <a:off x="12115617" y="8379292"/>
+                <a:ext cx="1937466" cy="215444"/>
+              </a:xfrm>
+              <a:prstGeom prst="rect">
+                <a:avLst/>
+              </a:prstGeom>
+              <a:noFill/>
+            </p:spPr>
+            <p:txBody>
+              <a:bodyPr wrap="square" rtlCol="0">
+                <a:spAutoFit/>
+              </a:bodyPr>
+              <a:lstStyle/>
+              <a:p>
+                <a:r>
+                  <a:rPr lang="en-US" sz="800" dirty="0">
+                    <a:solidFill>
+                      <a:srgbClr val="C00000"/>
+                    </a:solidFill>
+                    <a:latin typeface="FoundrySterling-Book" pitchFamily="2" charset="0"/>
+                  </a:rPr>
+                  <a:t>Average of </a:t>
+                </a:r>
+                <a14:m>
+                  <m:oMath xmlns:m="http://schemas.openxmlformats.org/officeDocument/2006/math">
+                    <m:r>
+                      <a:rPr lang="en-US" sz="800" i="1" dirty="0" smtClean="0">
+                        <a:solidFill>
+                          <a:srgbClr val="C00000"/>
+                        </a:solidFill>
+                        <a:latin typeface="Cambria Math" panose="02040503050406030204" pitchFamily="18" charset="0"/>
+                      </a:rPr>
+                      <m:t>𝑥</m:t>
+                    </m:r>
+                  </m:oMath>
+                </a14:m>
+                <a:r>
+                  <a:rPr lang="en-US" sz="800" dirty="0">
+                    <a:solidFill>
+                      <a:srgbClr val="C00000"/>
+                    </a:solidFill>
+                    <a:latin typeface="FoundrySterling-Book" pitchFamily="2" charset="0"/>
+                  </a:rPr>
+                  <a:t> over all possible values</a:t>
+                </a:r>
+              </a:p>
+            </p:txBody>
+          </p:sp>
+        </mc:Choice>
+        <mc:Fallback>
+          <p:sp>
+            <p:nvSpPr>
+              <p:cNvPr id="200" name="TextBox 199">
+                <a:extLst>
+                  <a:ext uri="{FF2B5EF4-FFF2-40B4-BE49-F238E27FC236}">
+                    <a16:creationId xmlns:a16="http://schemas.microsoft.com/office/drawing/2014/main" id="{9FE042F9-07F7-9442-B108-E8CC06893066}"/>
+                  </a:ext>
+                </a:extLst>
+              </p:cNvPr>
+              <p:cNvSpPr txBox="1">
+                <a:spLocks noRot="1" noChangeAspect="1" noMove="1" noResize="1" noEditPoints="1" noAdjustHandles="1" noChangeArrowheads="1" noChangeShapeType="1" noTextEdit="1"/>
+              </p:cNvSpPr>
+              <p:nvPr/>
+            </p:nvSpPr>
+            <p:spPr>
+              <a:xfrm>
+                <a:off x="12115617" y="8379292"/>
+                <a:ext cx="1937466" cy="215444"/>
+              </a:xfrm>
+              <a:prstGeom prst="rect">
+                <a:avLst/>
+              </a:prstGeom>
+              <a:blipFill>
+                <a:blip r:embed="rId41"/>
+                <a:stretch>
+                  <a:fillRect b="-5882"/>
+                </a:stretch>
+              </a:blipFill>
+            </p:spPr>
+            <p:txBody>
+              <a:bodyPr/>
+              <a:lstStyle/>
+              <a:p>
+                <a:r>
+                  <a:rPr lang="en-US">
+                    <a:noFill/>
+                  </a:rPr>
+                  <a:t> </a:t>
+                </a:r>
+              </a:p>
+            </p:txBody>
+          </p:sp>
+        </mc:Fallback>
+      </mc:AlternateContent>
       <p:sp>
         <p:nvSpPr>
           <p:cNvPr id="201" name="TextBox 200">
@@ -12228,7 +12298,7 @@
         </p:nvSpPr>
         <p:spPr>
           <a:xfrm>
-            <a:off x="7444815" y="8977629"/>
+            <a:off x="7444815" y="8865335"/>
             <a:ext cx="869149" cy="276999"/>
           </a:xfrm>
           <a:prstGeom prst="rect">
@@ -12254,8 +12324,8 @@
           </a:p>
         </p:txBody>
       </p:sp>
-      <mc:AlternateContent xmlns:mc="http://schemas.openxmlformats.org/markup-compatibility/2006" xmlns:a14="http://schemas.microsoft.com/office/drawing/2010/main">
-        <mc:Choice Requires="a14">
+      <mc:AlternateContent xmlns:mc="http://schemas.openxmlformats.org/markup-compatibility/2006">
+        <mc:Choice xmlns:a14="http://schemas.microsoft.com/office/drawing/2010/main" Requires="a14">
           <p:sp>
             <p:nvSpPr>
               <p:cNvPr id="202" name="TextBox 201">
@@ -12270,7 +12340,7 @@
             </p:nvSpPr>
             <p:spPr>
               <a:xfrm>
-                <a:off x="8578564" y="8856100"/>
+                <a:off x="8578564" y="8743806"/>
                 <a:ext cx="3411447" cy="540533"/>
               </a:xfrm>
               <a:prstGeom prst="rect">
@@ -12516,7 +12586,7 @@
             </p:txBody>
           </p:sp>
         </mc:Choice>
-        <mc:Fallback xmlns="">
+        <mc:Fallback>
           <p:sp>
             <p:nvSpPr>
               <p:cNvPr id="202" name="TextBox 201">
@@ -12533,16 +12603,16 @@
             </p:nvSpPr>
             <p:spPr>
               <a:xfrm>
-                <a:off x="8578564" y="8856100"/>
+                <a:off x="8578564" y="8743806"/>
                 <a:ext cx="3411447" cy="540533"/>
               </a:xfrm>
               <a:prstGeom prst="rect">
                 <a:avLst/>
               </a:prstGeom>
               <a:blipFill>
-                <a:blip r:embed="rId41"/>
+                <a:blip r:embed="rId42"/>
                 <a:stretch>
-                  <a:fillRect t="-113953" b="-165116"/>
+                  <a:fillRect t="-111364" b="-159091"/>
                 </a:stretch>
               </a:blipFill>
             </p:spPr>
@@ -12575,7 +12645,7 @@
         </p:nvSpPr>
         <p:spPr>
           <a:xfrm>
-            <a:off x="10333281" y="8165816"/>
+            <a:off x="10333281" y="8021438"/>
             <a:ext cx="407484" cy="215444"/>
           </a:xfrm>
           <a:prstGeom prst="rect">
@@ -12618,7 +12688,7 @@
         </p:nvCxnSpPr>
         <p:spPr>
           <a:xfrm>
-            <a:off x="10607986" y="8363443"/>
+            <a:off x="10607986" y="8219065"/>
             <a:ext cx="49463" cy="145302"/>
           </a:xfrm>
           <a:prstGeom prst="straightConnector1">
@@ -12661,7 +12731,7 @@
         </p:nvSpPr>
         <p:spPr>
           <a:xfrm>
-            <a:off x="12115617" y="8930701"/>
+            <a:off x="12115617" y="8818407"/>
             <a:ext cx="1937466" cy="338554"/>
           </a:xfrm>
           <a:prstGeom prst="rect">
@@ -12682,7 +12752,7 @@
                 </a:solidFill>
                 <a:latin typeface="FoundrySterling-Book" pitchFamily="2" charset="0"/>
               </a:rPr>
-              <a:t>average squared distance to mean value</a:t>
+              <a:t>Average squared distance to mean</a:t>
             </a:r>
           </a:p>
           <a:p>
@@ -12693,7 +12763,7 @@
                 </a:solidFill>
                 <a:latin typeface="FoundrySterling-Book" pitchFamily="2" charset="0"/>
               </a:rPr>
-              <a:t>(a measure of uncertainty)</a:t>
+              <a:t>(a useful measure of uncertainty)</a:t>
             </a:r>
           </a:p>
         </p:txBody>
@@ -12712,7 +12782,7 @@
         </p:nvSpPr>
         <p:spPr>
           <a:xfrm>
-            <a:off x="7436884" y="9432725"/>
+            <a:off x="7436884" y="9368557"/>
             <a:ext cx="824265" cy="276999"/>
           </a:xfrm>
           <a:prstGeom prst="rect">
@@ -12738,8 +12808,8 @@
           </a:p>
         </p:txBody>
       </p:sp>
-      <mc:AlternateContent xmlns:mc="http://schemas.openxmlformats.org/markup-compatibility/2006" xmlns:a14="http://schemas.microsoft.com/office/drawing/2010/main">
-        <mc:Choice Requires="a14">
+      <mc:AlternateContent xmlns:mc="http://schemas.openxmlformats.org/markup-compatibility/2006">
+        <mc:Choice xmlns:a14="http://schemas.microsoft.com/office/drawing/2010/main" Requires="a14">
           <p:sp>
             <p:nvSpPr>
               <p:cNvPr id="210" name="TextBox 209">
@@ -12754,7 +12824,7 @@
             </p:nvSpPr>
             <p:spPr>
               <a:xfrm>
-                <a:off x="9745096" y="9303962"/>
+                <a:off x="9745096" y="9239794"/>
                 <a:ext cx="2526525" cy="540533"/>
               </a:xfrm>
               <a:prstGeom prst="rect">
@@ -12957,7 +13027,7 @@
             </p:txBody>
           </p:sp>
         </mc:Choice>
-        <mc:Fallback xmlns="">
+        <mc:Fallback>
           <p:sp>
             <p:nvSpPr>
               <p:cNvPr id="210" name="TextBox 209">
@@ -12974,16 +13044,16 @@
             </p:nvSpPr>
             <p:spPr>
               <a:xfrm>
-                <a:off x="9745096" y="9303962"/>
+                <a:off x="9745096" y="9239794"/>
                 <a:ext cx="2526525" cy="540533"/>
               </a:xfrm>
               <a:prstGeom prst="rect">
                 <a:avLst/>
               </a:prstGeom>
               <a:blipFill>
-                <a:blip r:embed="rId42"/>
+                <a:blip r:embed="rId43"/>
                 <a:stretch>
-                  <a:fillRect t="-109091" b="-159091"/>
+                  <a:fillRect t="-113953" b="-165116"/>
                 </a:stretch>
               </a:blipFill>
             </p:spPr>
@@ -13002,8 +13072,8 @@
           </p:sp>
         </mc:Fallback>
       </mc:AlternateContent>
-      <mc:AlternateContent xmlns:mc="http://schemas.openxmlformats.org/markup-compatibility/2006" xmlns:a14="http://schemas.microsoft.com/office/drawing/2010/main">
-        <mc:Choice Requires="a14">
+      <mc:AlternateContent xmlns:mc="http://schemas.openxmlformats.org/markup-compatibility/2006">
+        <mc:Choice xmlns:a14="http://schemas.microsoft.com/office/drawing/2010/main" Requires="a14">
           <p:sp>
             <p:nvSpPr>
               <p:cNvPr id="211" name="TextBox 210">
@@ -13018,7 +13088,7 @@
             </p:nvSpPr>
             <p:spPr>
               <a:xfrm>
-                <a:off x="12115617" y="9395514"/>
+                <a:off x="12115617" y="9331346"/>
                 <a:ext cx="1937466" cy="338554"/>
               </a:xfrm>
               <a:prstGeom prst="rect">
@@ -13069,13 +13139,13 @@
                     </a:solidFill>
                     <a:latin typeface="FoundrySterling-Book" pitchFamily="2" charset="0"/>
                   </a:rPr>
-                  <a:t>(a measure of uncertainty)</a:t>
+                  <a:t>(also a measure of uncertainty)</a:t>
                 </a:r>
               </a:p>
             </p:txBody>
           </p:sp>
         </mc:Choice>
-        <mc:Fallback xmlns="">
+        <mc:Fallback>
           <p:sp>
             <p:nvSpPr>
               <p:cNvPr id="211" name="TextBox 210">
@@ -13092,14 +13162,14 @@
             </p:nvSpPr>
             <p:spPr>
               <a:xfrm>
-                <a:off x="12115617" y="9395514"/>
+                <a:off x="12115617" y="9331346"/>
                 <a:ext cx="1937466" cy="338554"/>
               </a:xfrm>
               <a:prstGeom prst="rect">
                 <a:avLst/>
               </a:prstGeom>
               <a:blipFill>
-                <a:blip r:embed="rId43"/>
+                <a:blip r:embed="rId44"/>
                 <a:stretch>
                   <a:fillRect b="-3571"/>
                 </a:stretch>
@@ -13134,7 +13204,7 @@
         </p:nvSpPr>
         <p:spPr>
           <a:xfrm>
-            <a:off x="7215915" y="7684129"/>
+            <a:off x="7215915" y="7523709"/>
             <a:ext cx="6299245" cy="307777"/>
           </a:xfrm>
           <a:prstGeom prst="rect">
